--- a/презентация.pptx
+++ b/презентация.pptx
@@ -269,7 +269,7 @@
           <a:p>
             <a:fld id="{FF2B3D27-83FC-4CB4-962D-940D91437CAA}" type="datetimeFigureOut">
               <a:rPr lang="ru-RU" smtClean="0"/>
-              <a:t>01.05.2024</a:t>
+              <a:t>04.05.2024</a:t>
             </a:fld>
             <a:endParaRPr lang="ru-RU"/>
           </a:p>
@@ -467,7 +467,7 @@
           <a:p>
             <a:fld id="{FF2B3D27-83FC-4CB4-962D-940D91437CAA}" type="datetimeFigureOut">
               <a:rPr lang="ru-RU" smtClean="0"/>
-              <a:t>01.05.2024</a:t>
+              <a:t>04.05.2024</a:t>
             </a:fld>
             <a:endParaRPr lang="ru-RU"/>
           </a:p>
@@ -675,7 +675,7 @@
           <a:p>
             <a:fld id="{FF2B3D27-83FC-4CB4-962D-940D91437CAA}" type="datetimeFigureOut">
               <a:rPr lang="ru-RU" smtClean="0"/>
-              <a:t>01.05.2024</a:t>
+              <a:t>04.05.2024</a:t>
             </a:fld>
             <a:endParaRPr lang="ru-RU"/>
           </a:p>
@@ -873,7 +873,7 @@
           <a:p>
             <a:fld id="{FF2B3D27-83FC-4CB4-962D-940D91437CAA}" type="datetimeFigureOut">
               <a:rPr lang="ru-RU" smtClean="0"/>
-              <a:t>01.05.2024</a:t>
+              <a:t>04.05.2024</a:t>
             </a:fld>
             <a:endParaRPr lang="ru-RU"/>
           </a:p>
@@ -1148,7 +1148,7 @@
           <a:p>
             <a:fld id="{FF2B3D27-83FC-4CB4-962D-940D91437CAA}" type="datetimeFigureOut">
               <a:rPr lang="ru-RU" smtClean="0"/>
-              <a:t>01.05.2024</a:t>
+              <a:t>04.05.2024</a:t>
             </a:fld>
             <a:endParaRPr lang="ru-RU"/>
           </a:p>
@@ -1413,7 +1413,7 @@
           <a:p>
             <a:fld id="{FF2B3D27-83FC-4CB4-962D-940D91437CAA}" type="datetimeFigureOut">
               <a:rPr lang="ru-RU" smtClean="0"/>
-              <a:t>01.05.2024</a:t>
+              <a:t>04.05.2024</a:t>
             </a:fld>
             <a:endParaRPr lang="ru-RU"/>
           </a:p>
@@ -1825,7 +1825,7 @@
           <a:p>
             <a:fld id="{FF2B3D27-83FC-4CB4-962D-940D91437CAA}" type="datetimeFigureOut">
               <a:rPr lang="ru-RU" smtClean="0"/>
-              <a:t>01.05.2024</a:t>
+              <a:t>04.05.2024</a:t>
             </a:fld>
             <a:endParaRPr lang="ru-RU"/>
           </a:p>
@@ -1966,7 +1966,7 @@
           <a:p>
             <a:fld id="{FF2B3D27-83FC-4CB4-962D-940D91437CAA}" type="datetimeFigureOut">
               <a:rPr lang="ru-RU" smtClean="0"/>
-              <a:t>01.05.2024</a:t>
+              <a:t>04.05.2024</a:t>
             </a:fld>
             <a:endParaRPr lang="ru-RU"/>
           </a:p>
@@ -2079,7 +2079,7 @@
           <a:p>
             <a:fld id="{FF2B3D27-83FC-4CB4-962D-940D91437CAA}" type="datetimeFigureOut">
               <a:rPr lang="ru-RU" smtClean="0"/>
-              <a:t>01.05.2024</a:t>
+              <a:t>04.05.2024</a:t>
             </a:fld>
             <a:endParaRPr lang="ru-RU"/>
           </a:p>
@@ -2390,7 +2390,7 @@
           <a:p>
             <a:fld id="{FF2B3D27-83FC-4CB4-962D-940D91437CAA}" type="datetimeFigureOut">
               <a:rPr lang="ru-RU" smtClean="0"/>
-              <a:t>01.05.2024</a:t>
+              <a:t>04.05.2024</a:t>
             </a:fld>
             <a:endParaRPr lang="ru-RU"/>
           </a:p>
@@ -2678,7 +2678,7 @@
           <a:p>
             <a:fld id="{FF2B3D27-83FC-4CB4-962D-940D91437CAA}" type="datetimeFigureOut">
               <a:rPr lang="ru-RU" smtClean="0"/>
-              <a:t>01.05.2024</a:t>
+              <a:t>04.05.2024</a:t>
             </a:fld>
             <a:endParaRPr lang="ru-RU"/>
           </a:p>
@@ -2919,7 +2919,7 @@
           <a:p>
             <a:fld id="{FF2B3D27-83FC-4CB4-962D-940D91437CAA}" type="datetimeFigureOut">
               <a:rPr lang="ru-RU" smtClean="0"/>
-              <a:t>01.05.2024</a:t>
+              <a:t>04.05.2024</a:t>
             </a:fld>
             <a:endParaRPr lang="ru-RU"/>
           </a:p>
@@ -4721,10 +4721,10 @@
       </p:sp>
       <p:pic>
         <p:nvPicPr>
-          <p:cNvPr id="5" name="Рисунок 4">
-            <a:extLst>
-              <a:ext uri="{FF2B5EF4-FFF2-40B4-BE49-F238E27FC236}">
-                <a16:creationId xmlns:a16="http://schemas.microsoft.com/office/drawing/2014/main" id="{9762B057-13B7-4137-9C49-9087BEA0744D}"/>
+          <p:cNvPr id="4" name="Рисунок 3">
+            <a:extLst>
+              <a:ext uri="{FF2B5EF4-FFF2-40B4-BE49-F238E27FC236}">
+                <a16:creationId xmlns:a16="http://schemas.microsoft.com/office/drawing/2014/main" id="{05FD7917-C23B-4A99-BD08-23DE48972FBB}"/>
               </a:ext>
             </a:extLst>
           </p:cNvPr>
@@ -4747,8 +4747,8 @@
         </p:blipFill>
         <p:spPr>
           <a:xfrm>
-            <a:off x="5260682" y="996314"/>
-            <a:ext cx="5529238" cy="5843432"/>
+            <a:off x="6772893" y="1121598"/>
+            <a:ext cx="2430484" cy="5718147"/>
           </a:xfrm>
           <a:prstGeom prst="rect">
             <a:avLst/>
@@ -5310,10 +5310,10 @@
       </p:sp>
       <p:pic>
         <p:nvPicPr>
-          <p:cNvPr id="6" name="Рисунок 5">
-            <a:extLst>
-              <a:ext uri="{FF2B5EF4-FFF2-40B4-BE49-F238E27FC236}">
-                <a16:creationId xmlns:a16="http://schemas.microsoft.com/office/drawing/2014/main" id="{4533A573-6B09-4B7F-A7E7-48C6D2B00B68}"/>
+          <p:cNvPr id="10" name="Рисунок 9">
+            <a:extLst>
+              <a:ext uri="{FF2B5EF4-FFF2-40B4-BE49-F238E27FC236}">
+                <a16:creationId xmlns:a16="http://schemas.microsoft.com/office/drawing/2014/main" id="{CD2B07BC-71CB-4AFC-BC42-13017FB14AF8}"/>
               </a:ext>
             </a:extLst>
           </p:cNvPr>
@@ -5336,8 +5336,8 @@
         </p:blipFill>
         <p:spPr>
           <a:xfrm>
-            <a:off x="6963906" y="681036"/>
-            <a:ext cx="2466785" cy="6158709"/>
+            <a:off x="4887558" y="1095936"/>
+            <a:ext cx="5562728" cy="5762064"/>
           </a:xfrm>
           <a:prstGeom prst="rect">
             <a:avLst/>
